--- a/Presentations/RoboticorpLab6.pptx
+++ b/Presentations/RoboticorpLab6.pptx
@@ -764,8 +764,8 @@
         </p:nvSpPr>
         <p:spPr>
           <a:xfrm>
-            <a:off x="1143225" y="685800"/>
-            <a:ext cx="4572299" cy="3429000"/>
+            <a:off x="1143000" y="685800"/>
+            <a:ext cx="4572000" cy="3429000"/>
           </a:xfrm>
           <a:custGeom>
             <a:avLst/>
@@ -30001,18 +30001,39 @@
               <a:buNone/>
             </a:pPr>
             <a:r>
-              <a:rPr lang="en"/>
-              <a:t>- Had joint group meeting over the weekend to integrate both sides of the system together </a:t>
+              <a:rPr lang="en" dirty="0"/>
+              <a:t>- Had joint group meeting over the weekend </a:t>
+            </a:r>
+            <a:r>
+              <a:rPr lang="en" dirty="0" smtClean="0"/>
+              <a:t>to decide on plans for the test</a:t>
+            </a:r>
+            <a:endParaRPr lang="en" dirty="0"/>
+          </a:p>
+          <a:p>
+            <a:pPr lvl="0" rtl="0">
+              <a:buFontTx/>
+              <a:buChar char="-"/>
+            </a:pPr>
+            <a:r>
+              <a:rPr lang="en" dirty="0" smtClean="0"/>
+              <a:t>Were h</a:t>
+            </a:r>
+            <a:r>
+              <a:rPr lang="en" dirty="0" smtClean="0"/>
+              <a:t>oping to perform test over weekend but were unable to</a:t>
             </a:r>
           </a:p>
           <a:p>
             <a:pPr lvl="0" rtl="0">
-              <a:buNone/>
+              <a:buFontTx/>
+              <a:buChar char="-"/>
             </a:pPr>
             <a:r>
-              <a:rPr lang="en"/>
-              <a:t>- </a:t>
+              <a:rPr lang="en" dirty="0" smtClean="0"/>
+              <a:t>Plan to do test soon</a:t>
             </a:r>
+            <a:endParaRPr lang="en" dirty="0"/>
           </a:p>
         </p:txBody>
       </p:sp>
